--- a/Matches/ASI - ISA - Oktober 2019/SUR, A - Memory is for Suckers.pptx
+++ b/Matches/ASI - ISA - Oktober 2019/SUR, A - Memory is for Suckers.pptx
@@ -335,7 +335,7 @@
               <a:pPr>
                 <a:defRPr/>
               </a:pPr>
-              <a:t>24.09.2019</a:t>
+              <a:t>9/25/19</a:t>
             </a:fld>
             <a:endParaRPr lang="en-US"/>
           </a:p>
@@ -4232,7 +4232,7 @@
           <p:nvPr>
             <p:extLst>
               <p:ext uri="{D42A27DB-BD31-4B8C-83A1-F6EECF244321}">
-                <p14:modId xmlns:p14="http://schemas.microsoft.com/office/powerpoint/2010/main" val="357607485"/>
+                <p14:modId xmlns:p14="http://schemas.microsoft.com/office/powerpoint/2010/main" val="1019936690"/>
               </p:ext>
             </p:extLst>
           </p:nvPr>
@@ -5208,8 +5208,86 @@
                           <a:ea typeface="ＭＳ Ｐゴシック" pitchFamily="-112" charset="-128"/>
                           <a:cs typeface="Times New Roman" pitchFamily="-112" charset="0"/>
                         </a:rPr>
-                        <a:t>At the </a:t>
+                        <a:t>At the start signal, engage T1-T11 with at least 2 shots each from within the shooting area.</a:t>
                       </a:r>
+                    </a:p>
+                    <a:p>
+                      <a:pPr marL="0" marR="0" lvl="0" indent="0" algn="l" defTabSz="966788" rtl="0" eaLnBrk="1" fontAlgn="base" latinLnBrk="0" hangingPunct="1">
+                        <a:lnSpc>
+                          <a:spcPct val="100000"/>
+                        </a:lnSpc>
+                        <a:spcBef>
+                          <a:spcPct val="20000"/>
+                        </a:spcBef>
+                        <a:spcAft>
+                          <a:spcPct val="0"/>
+                        </a:spcAft>
+                        <a:buClrTx/>
+                        <a:buSzTx/>
+                        <a:buFontTx/>
+                        <a:buNone/>
+                        <a:tabLst/>
+                      </a:pPr>
+                      <a:endParaRPr kumimoji="0" lang="en-US" sz="1100" b="0" i="0" u="none" strike="noStrike" cap="none" normalizeH="0" baseline="0" dirty="0">
+                        <a:ln>
+                          <a:noFill/>
+                        </a:ln>
+                        <a:solidFill>
+                          <a:schemeClr val="tx1"/>
+                        </a:solidFill>
+                        <a:effectLst/>
+                        <a:latin typeface="Arial" charset="0"/>
+                        <a:ea typeface="ＭＳ Ｐゴシック" pitchFamily="-112" charset="-128"/>
+                        <a:cs typeface="Times New Roman" pitchFamily="-112" charset="0"/>
+                      </a:endParaRPr>
+                    </a:p>
+                    <a:p>
+                      <a:pPr marL="0" marR="0" lvl="0" indent="0" algn="l" defTabSz="966788" rtl="0" eaLnBrk="1" fontAlgn="base" latinLnBrk="0" hangingPunct="1">
+                        <a:lnSpc>
+                          <a:spcPct val="100000"/>
+                        </a:lnSpc>
+                        <a:spcBef>
+                          <a:spcPct val="20000"/>
+                        </a:spcBef>
+                        <a:spcAft>
+                          <a:spcPct val="0"/>
+                        </a:spcAft>
+                        <a:buClrTx/>
+                        <a:buSzTx/>
+                        <a:buFontTx/>
+                        <a:buNone/>
+                        <a:tabLst/>
+                      </a:pPr>
+                      <a:endParaRPr kumimoji="0" lang="en-US" sz="1100" b="0" i="0" u="none" strike="noStrike" cap="none" normalizeH="0" baseline="0" dirty="0">
+                        <a:ln>
+                          <a:noFill/>
+                        </a:ln>
+                        <a:solidFill>
+                          <a:schemeClr val="tx1"/>
+                        </a:solidFill>
+                        <a:effectLst/>
+                        <a:latin typeface="Arial" charset="0"/>
+                        <a:ea typeface="ＭＳ Ｐゴシック" pitchFamily="-112" charset="-128"/>
+                        <a:cs typeface="Times New Roman" pitchFamily="-112" charset="0"/>
+                      </a:endParaRPr>
+                    </a:p>
+                    <a:p>
+                      <a:pPr marL="0" marR="0" lvl="0" indent="0" algn="l" defTabSz="966788" rtl="0" eaLnBrk="1" fontAlgn="base" latinLnBrk="0" hangingPunct="1">
+                        <a:lnSpc>
+                          <a:spcPct val="100000"/>
+                        </a:lnSpc>
+                        <a:spcBef>
+                          <a:spcPct val="20000"/>
+                        </a:spcBef>
+                        <a:spcAft>
+                          <a:spcPct val="0"/>
+                        </a:spcAft>
+                        <a:buClrTx/>
+                        <a:buSzTx/>
+                        <a:buFontTx/>
+                        <a:buNone/>
+                        <a:tabLst/>
+                      </a:pPr>
                       <a:r>
                         <a:rPr kumimoji="0" lang="en-US" sz="1100" b="0" i="0" u="none" strike="noStrike" cap="none" normalizeH="0" baseline="0">
                           <a:ln>
@@ -5223,22 +5301,7 @@
                           <a:ea typeface="ＭＳ Ｐゴシック" pitchFamily="-112" charset="-128"/>
                           <a:cs typeface="Times New Roman" pitchFamily="-112" charset="0"/>
                         </a:rPr>
-                        <a:t>start signal, </a:t>
-                      </a:r>
-                      <a:r>
-                        <a:rPr kumimoji="0" lang="en-US" sz="1100" b="0" i="0" u="none" strike="noStrike" cap="none" normalizeH="0" baseline="0" dirty="0">
-                          <a:ln>
-                            <a:noFill/>
-                          </a:ln>
-                          <a:solidFill>
-                            <a:schemeClr val="tx1"/>
-                          </a:solidFill>
-                          <a:effectLst/>
-                          <a:latin typeface="Arial" charset="0"/>
-                          <a:ea typeface="ＭＳ Ｐゴシック" pitchFamily="-112" charset="-128"/>
-                          <a:cs typeface="Times New Roman" pitchFamily="-112" charset="0"/>
-                        </a:rPr>
-                        <a:t>engage T1-T11 with at least 2 shots each from within the shooting area.</a:t>
+                        <a:t>Reload required between first and last shot.</a:t>
                       </a:r>
                     </a:p>
                   </a:txBody>

--- a/Matches/ASI - ISA - Oktober 2019/SUR, A - Memory is for Suckers.pptx
+++ b/Matches/ASI - ISA - Oktober 2019/SUR, A - Memory is for Suckers.pptx
@@ -335,7 +335,7 @@
               <a:pPr>
                 <a:defRPr/>
               </a:pPr>
-              <a:t>9/25/19</a:t>
+              <a:t>30.09.2019</a:t>
             </a:fld>
             <a:endParaRPr lang="en-US"/>
           </a:p>
@@ -4232,7 +4232,7 @@
           <p:nvPr>
             <p:extLst>
               <p:ext uri="{D42A27DB-BD31-4B8C-83A1-F6EECF244321}">
-                <p14:modId xmlns:p14="http://schemas.microsoft.com/office/powerpoint/2010/main" val="1019936690"/>
+                <p14:modId xmlns:p14="http://schemas.microsoft.com/office/powerpoint/2010/main" val="1480580469"/>
               </p:ext>
             </p:extLst>
           </p:nvPr>
@@ -5024,7 +5024,22 @@
                           <a:ea typeface="ＭＳ Ｐゴシック" pitchFamily="-112" charset="-128"/>
                           <a:cs typeface="Times New Roman" pitchFamily="-112" charset="0"/>
                         </a:rPr>
-                        <a:t>START-STOP:          Audible - Last shot</a:t>
+                        <a:t>START-STOP:          Audible - </a:t>
+                      </a:r>
+                      <a:r>
+                        <a:rPr kumimoji="0" lang="en-US" sz="1100" b="1" i="0" u="none" strike="noStrike" cap="none" normalizeH="0" baseline="0">
+                          <a:ln>
+                            <a:noFill/>
+                          </a:ln>
+                          <a:solidFill>
+                            <a:schemeClr val="tx1"/>
+                          </a:solidFill>
+                          <a:effectLst/>
+                          <a:latin typeface="Arial" charset="0"/>
+                          <a:ea typeface="ＭＳ Ｐゴシック" pitchFamily="-112" charset="-128"/>
+                          <a:cs typeface="Times New Roman" pitchFamily="-112" charset="0"/>
+                        </a:rPr>
+                        <a:t>Last shot</a:t>
                       </a:r>
                     </a:p>
                     <a:p>
@@ -5045,7 +5060,7 @@
                         <a:tabLst/>
                       </a:pPr>
                       <a:r>
-                        <a:rPr kumimoji="0" lang="en-US" sz="1100" b="1" i="0" u="none" strike="noStrike" cap="none" normalizeH="0" baseline="0" dirty="0">
+                        <a:rPr kumimoji="0" lang="en-US" sz="1100" b="1" i="0" u="none" strike="noStrike" cap="none" normalizeH="0" baseline="0">
                           <a:ln>
                             <a:noFill/>
                           </a:ln>
@@ -5057,26 +5072,8 @@
                           <a:ea typeface="ＭＳ Ｐゴシック" pitchFamily="-112" charset="-128"/>
                           <a:cs typeface="Times New Roman" pitchFamily="-112" charset="0"/>
                         </a:rPr>
-                        <a:t>CONCEALMENT:     Required</a:t>
+                        <a:t>Muzzle </a:t>
                       </a:r>
-                    </a:p>
-                    <a:p>
-                      <a:pPr marL="0" marR="0" lvl="0" indent="0" algn="l" defTabSz="966788" rtl="0" eaLnBrk="0" fontAlgn="base" latinLnBrk="0" hangingPunct="0">
-                        <a:lnSpc>
-                          <a:spcPct val="100000"/>
-                        </a:lnSpc>
-                        <a:spcBef>
-                          <a:spcPct val="0"/>
-                        </a:spcBef>
-                        <a:spcAft>
-                          <a:spcPct val="0"/>
-                        </a:spcAft>
-                        <a:buClrTx/>
-                        <a:buSzTx/>
-                        <a:buFontTx/>
-                        <a:buNone/>
-                        <a:tabLst/>
-                      </a:pPr>
                       <a:r>
                         <a:rPr kumimoji="0" lang="en-US" sz="1100" b="1" i="0" u="none" strike="noStrike" cap="none" normalizeH="0" baseline="0" dirty="0">
                           <a:ln>
@@ -5090,7 +5087,7 @@
                           <a:ea typeface="ＭＳ Ｐゴシック" pitchFamily="-112" charset="-128"/>
                           <a:cs typeface="Times New Roman" pitchFamily="-112" charset="0"/>
                         </a:rPr>
-                        <a:t>Muzzle Safe Points: 180 degree rule</a:t>
+                        <a:t>Safe Points: 180 degree rule</a:t>
                       </a:r>
                     </a:p>
                   </a:txBody>
@@ -5289,7 +5286,7 @@
                         <a:tabLst/>
                       </a:pPr>
                       <a:r>
-                        <a:rPr kumimoji="0" lang="en-US" sz="1100" b="0" i="0" u="none" strike="noStrike" cap="none" normalizeH="0" baseline="0">
+                        <a:rPr kumimoji="0" lang="en-US" sz="1100" b="0" i="0" u="none" strike="noStrike" cap="none" normalizeH="0" baseline="0" dirty="0">
                           <a:ln>
                             <a:noFill/>
                           </a:ln>
